--- a/OfficeAddin/01 Building Add-ins for Microsoft Word/03 Content Controls in Word Add-ins.pptx
+++ b/OfficeAddin/01 Building Add-ins for Microsoft Word/03 Content Controls in Word Add-ins.pptx
@@ -261,7 +261,7 @@
               <a:rPr lang="en-US" smtClean="0">
                 <a:latin typeface="Segoe UI" pitchFamily="34" charset="0"/>
               </a:rPr>
-              <a:t>6/8/18 1:48 PM</a:t>
+              <a:t>9/17/18 3:37 PM</a:t>
             </a:fld>
             <a:endParaRPr lang="en-US" dirty="0">
               <a:latin typeface="Segoe UI" pitchFamily="34" charset="0"/>
@@ -555,7 +555,7 @@
           <a:p>
             <a:fld id="{D18B56EA-E28F-4F92-9F16-7A6F2501B303}" type="datetime8">
               <a:rPr lang="en-US" smtClean="0"/>
-              <a:t>6/8/18 1:48 PM</a:t>
+              <a:t>9/17/18 3:37 PM</a:t>
             </a:fld>
             <a:endParaRPr lang="en-US" dirty="0"/>
           </a:p>
@@ -1043,7 +1043,7 @@
                 <a:tabLst/>
                 <a:defRPr/>
               </a:pPr>
-              <a:t>6/8/18 1:48 PM</a:t>
+              <a:t>9/17/18 3:37 PM</a:t>
             </a:fld>
             <a:endParaRPr kumimoji="0" lang="en-US" sz="1200" b="0" i="0" u="none" strike="noStrike" kern="1200" cap="none" spc="0" normalizeH="0" baseline="0" noProof="0" dirty="0">
               <a:ln>
@@ -1296,7 +1296,7 @@
           <a:p>
             <a:fld id="{D18B56EA-E28F-4F92-9F16-7A6F2501B303}" type="datetime8">
               <a:rPr lang="en-US" smtClean="0"/>
-              <a:t>6/8/18 1:48 PM</a:t>
+              <a:t>9/17/18 3:37 PM</a:t>
             </a:fld>
             <a:endParaRPr lang="en-US" dirty="0"/>
           </a:p>
@@ -1477,7 +1477,7 @@
           <a:p>
             <a:fld id="{D18B56EA-E28F-4F92-9F16-7A6F2501B303}" type="datetime8">
               <a:rPr lang="en-US" smtClean="0"/>
-              <a:t>6/8/18 1:48 PM</a:t>
+              <a:t>9/17/18 3:37 PM</a:t>
             </a:fld>
             <a:endParaRPr lang="en-US" dirty="0"/>
           </a:p>
@@ -1763,7 +1763,7 @@
                 <a:tabLst/>
                 <a:defRPr/>
               </a:pPr>
-              <a:t>6/8/18 1:48 PM</a:t>
+              <a:t>9/17/18 3:37 PM</a:t>
             </a:fld>
             <a:endParaRPr kumimoji="0" lang="en-US" sz="1200" b="0" i="0" u="none" strike="noStrike" kern="1200" cap="none" spc="0" normalizeH="0" baseline="0" noProof="0" dirty="0">
               <a:ln>
@@ -2211,7 +2211,7 @@
                 <a:tabLst/>
                 <a:defRPr/>
               </a:pPr>
-              <a:t>6/8/18 1:48 PM</a:t>
+              <a:t>9/17/18 3:37 PM</a:t>
             </a:fld>
             <a:endParaRPr kumimoji="0" lang="en-US" sz="1200" b="0" i="0" u="none" strike="noStrike" kern="1200" cap="none" spc="0" normalizeH="0" baseline="0" noProof="0" dirty="0">
               <a:ln>
@@ -2763,7 +2763,7 @@
                 <a:tabLst/>
                 <a:defRPr/>
               </a:pPr>
-              <a:t>6/8/18 1:48 PM</a:t>
+              <a:t>9/17/18 3:37 PM</a:t>
             </a:fld>
             <a:endParaRPr kumimoji="0" lang="en-US" sz="1200" b="0" i="0" u="none" strike="noStrike" kern="1200" cap="none" spc="0" normalizeH="0" baseline="0" noProof="0" dirty="0">
               <a:ln>
@@ -3027,7 +3027,7 @@
           <a:p>
             <a:fld id="{D18B56EA-E28F-4F92-9F16-7A6F2501B303}" type="datetime8">
               <a:rPr lang="en-US" smtClean="0"/>
-              <a:t>6/8/18 1:48 PM</a:t>
+              <a:t>9/17/18 3:37 PM</a:t>
             </a:fld>
             <a:endParaRPr lang="en-US" dirty="0"/>
           </a:p>
@@ -3225,7 +3225,7 @@
           <a:p>
             <a:fld id="{D18B56EA-E28F-4F92-9F16-7A6F2501B303}" type="datetime8">
               <a:rPr lang="en-US" smtClean="0"/>
-              <a:t>6/8/18 1:48 PM</a:t>
+              <a:t>9/17/18 3:37 PM</a:t>
             </a:fld>
             <a:endParaRPr lang="en-US" dirty="0"/>
           </a:p>
@@ -3974,7 +3974,7 @@
           <a:p>
             <a:fld id="{D18B56EA-E28F-4F92-9F16-7A6F2501B303}" type="datetime8">
               <a:rPr lang="en-US" smtClean="0"/>
-              <a:t>6/8/18 1:48 PM</a:t>
+              <a:t>9/17/18 3:37 PM</a:t>
             </a:fld>
             <a:endParaRPr lang="en-US" dirty="0"/>
           </a:p>
@@ -4155,7 +4155,7 @@
           <a:p>
             <a:fld id="{D18B56EA-E28F-4F92-9F16-7A6F2501B303}" type="datetime8">
               <a:rPr lang="en-US" smtClean="0"/>
-              <a:t>6/8/18 1:48 PM</a:t>
+              <a:t>9/17/18 3:37 PM</a:t>
             </a:fld>
             <a:endParaRPr lang="en-US" dirty="0"/>
           </a:p>
@@ -4336,7 +4336,7 @@
           <a:p>
             <a:fld id="{D18B56EA-E28F-4F92-9F16-7A6F2501B303}" type="datetime8">
               <a:rPr lang="en-US" smtClean="0"/>
-              <a:t>6/8/18 1:48 PM</a:t>
+              <a:t>9/17/18 3:37 PM</a:t>
             </a:fld>
             <a:endParaRPr lang="en-US" dirty="0"/>
           </a:p>
@@ -19231,16 +19231,10 @@
               <a:defRPr/>
             </a:pPr>
             <a:r>
-              <a:rPr lang="en-US" sz="1800">
-                <a:latin typeface="+mj-lt"/>
-              </a:rPr>
-              <a:t>Word Add-in </a:t>
-            </a:r>
-            <a:r>
               <a:rPr lang="en-US" sz="1800" dirty="0">
                 <a:latin typeface="+mj-lt"/>
               </a:rPr>
-              <a:t>samples</a:t>
+              <a:t>Word Add-in samples</a:t>
             </a:r>
           </a:p>
           <a:p>
@@ -19322,12 +19316,12 @@
               <a:buSzTx/>
             </a:pPr>
             <a:r>
-              <a:rPr lang="en-US" sz="1600" dirty="0">
+              <a:rPr lang="en-US" sz="1800" dirty="0">
                 <a:hlinkClick r:id="rId6"/>
               </a:rPr>
               <a:t>https://dev.office.com/reference/add-ins/word/contentcontrol</a:t>
             </a:r>
-            <a:endParaRPr lang="en-US" sz="1600" dirty="0"/>
+            <a:endParaRPr lang="en-US" sz="1800" dirty="0"/>
           </a:p>
           <a:p>
             <a:pPr marL="342900" indent="-342900" defTabSz="914400">

--- a/OfficeAddin/01 Building Add-ins for Microsoft Word/03 Content Controls in Word Add-ins.pptx
+++ b/OfficeAddin/01 Building Add-ins for Microsoft Word/03 Content Controls in Word Add-ins.pptx
@@ -261,7 +261,7 @@
               <a:rPr lang="en-US" smtClean="0">
                 <a:latin typeface="Segoe UI" pitchFamily="34" charset="0"/>
               </a:rPr>
-              <a:t>9/17/18 3:37 PM</a:t>
+              <a:t>3/4/19 8:28 PM</a:t>
             </a:fld>
             <a:endParaRPr lang="en-US" dirty="0">
               <a:latin typeface="Segoe UI" pitchFamily="34" charset="0"/>
@@ -555,7 +555,7 @@
           <a:p>
             <a:fld id="{D18B56EA-E28F-4F92-9F16-7A6F2501B303}" type="datetime8">
               <a:rPr lang="en-US" smtClean="0"/>
-              <a:t>9/17/18 3:37 PM</a:t>
+              <a:t>3/4/19 8:28 PM</a:t>
             </a:fld>
             <a:endParaRPr lang="en-US" dirty="0"/>
           </a:p>
@@ -1043,7 +1043,7 @@
                 <a:tabLst/>
                 <a:defRPr/>
               </a:pPr>
-              <a:t>9/17/18 3:37 PM</a:t>
+              <a:t>3/4/19 8:28 PM</a:t>
             </a:fld>
             <a:endParaRPr kumimoji="0" lang="en-US" sz="1200" b="0" i="0" u="none" strike="noStrike" kern="1200" cap="none" spc="0" normalizeH="0" baseline="0" noProof="0" dirty="0">
               <a:ln>
@@ -1296,7 +1296,7 @@
           <a:p>
             <a:fld id="{D18B56EA-E28F-4F92-9F16-7A6F2501B303}" type="datetime8">
               <a:rPr lang="en-US" smtClean="0"/>
-              <a:t>9/17/18 3:37 PM</a:t>
+              <a:t>3/4/19 8:28 PM</a:t>
             </a:fld>
             <a:endParaRPr lang="en-US" dirty="0"/>
           </a:p>
@@ -1477,7 +1477,7 @@
           <a:p>
             <a:fld id="{D18B56EA-E28F-4F92-9F16-7A6F2501B303}" type="datetime8">
               <a:rPr lang="en-US" smtClean="0"/>
-              <a:t>9/17/18 3:37 PM</a:t>
+              <a:t>3/4/19 8:28 PM</a:t>
             </a:fld>
             <a:endParaRPr lang="en-US" dirty="0"/>
           </a:p>
@@ -1763,7 +1763,7 @@
                 <a:tabLst/>
                 <a:defRPr/>
               </a:pPr>
-              <a:t>9/17/18 3:37 PM</a:t>
+              <a:t>3/4/19 8:28 PM</a:t>
             </a:fld>
             <a:endParaRPr kumimoji="0" lang="en-US" sz="1200" b="0" i="0" u="none" strike="noStrike" kern="1200" cap="none" spc="0" normalizeH="0" baseline="0" noProof="0" dirty="0">
               <a:ln>
@@ -2211,7 +2211,7 @@
                 <a:tabLst/>
                 <a:defRPr/>
               </a:pPr>
-              <a:t>9/17/18 3:37 PM</a:t>
+              <a:t>3/4/19 8:28 PM</a:t>
             </a:fld>
             <a:endParaRPr kumimoji="0" lang="en-US" sz="1200" b="0" i="0" u="none" strike="noStrike" kern="1200" cap="none" spc="0" normalizeH="0" baseline="0" noProof="0" dirty="0">
               <a:ln>
@@ -2763,7 +2763,7 @@
                 <a:tabLst/>
                 <a:defRPr/>
               </a:pPr>
-              <a:t>9/17/18 3:37 PM</a:t>
+              <a:t>3/4/19 8:28 PM</a:t>
             </a:fld>
             <a:endParaRPr kumimoji="0" lang="en-US" sz="1200" b="0" i="0" u="none" strike="noStrike" kern="1200" cap="none" spc="0" normalizeH="0" baseline="0" noProof="0" dirty="0">
               <a:ln>
@@ -3027,7 +3027,7 @@
           <a:p>
             <a:fld id="{D18B56EA-E28F-4F92-9F16-7A6F2501B303}" type="datetime8">
               <a:rPr lang="en-US" smtClean="0"/>
-              <a:t>9/17/18 3:37 PM</a:t>
+              <a:t>3/4/19 8:28 PM</a:t>
             </a:fld>
             <a:endParaRPr lang="en-US" dirty="0"/>
           </a:p>
@@ -3225,7 +3225,7 @@
           <a:p>
             <a:fld id="{D18B56EA-E28F-4F92-9F16-7A6F2501B303}" type="datetime8">
               <a:rPr lang="en-US" smtClean="0"/>
-              <a:t>9/17/18 3:37 PM</a:t>
+              <a:t>3/4/19 8:28 PM</a:t>
             </a:fld>
             <a:endParaRPr lang="en-US" dirty="0"/>
           </a:p>
@@ -3974,7 +3974,7 @@
           <a:p>
             <a:fld id="{D18B56EA-E28F-4F92-9F16-7A6F2501B303}" type="datetime8">
               <a:rPr lang="en-US" smtClean="0"/>
-              <a:t>9/17/18 3:37 PM</a:t>
+              <a:t>3/4/19 8:28 PM</a:t>
             </a:fld>
             <a:endParaRPr lang="en-US" dirty="0"/>
           </a:p>
@@ -4155,7 +4155,7 @@
           <a:p>
             <a:fld id="{D18B56EA-E28F-4F92-9F16-7A6F2501B303}" type="datetime8">
               <a:rPr lang="en-US" smtClean="0"/>
-              <a:t>9/17/18 3:37 PM</a:t>
+              <a:t>3/4/19 8:28 PM</a:t>
             </a:fld>
             <a:endParaRPr lang="en-US" dirty="0"/>
           </a:p>
@@ -4336,7 +4336,7 @@
           <a:p>
             <a:fld id="{D18B56EA-E28F-4F92-9F16-7A6F2501B303}" type="datetime8">
               <a:rPr lang="en-US" smtClean="0"/>
-              <a:t>9/17/18 3:37 PM</a:t>
+              <a:t>3/4/19 8:28 PM</a:t>
             </a:fld>
             <a:endParaRPr lang="en-US" dirty="0"/>
           </a:p>

--- a/OfficeAddin/01 Building Add-ins for Microsoft Word/03 Content Controls in Word Add-ins.pptx
+++ b/OfficeAddin/01 Building Add-ins for Microsoft Word/03 Content Controls in Word Add-ins.pptx
@@ -261,7 +261,7 @@
               <a:rPr lang="en-US" smtClean="0">
                 <a:latin typeface="Segoe UI" pitchFamily="34" charset="0"/>
               </a:rPr>
-              <a:t>3/4/19 8:28 PM</a:t>
+              <a:t>6/5/19 4:27 PM</a:t>
             </a:fld>
             <a:endParaRPr lang="en-US" dirty="0">
               <a:latin typeface="Segoe UI" pitchFamily="34" charset="0"/>
@@ -555,7 +555,7 @@
           <a:p>
             <a:fld id="{D18B56EA-E28F-4F92-9F16-7A6F2501B303}" type="datetime8">
               <a:rPr lang="en-US" smtClean="0"/>
-              <a:t>3/4/19 8:28 PM</a:t>
+              <a:t>6/5/19 4:27 PM</a:t>
             </a:fld>
             <a:endParaRPr lang="en-US" dirty="0"/>
           </a:p>
@@ -1043,7 +1043,7 @@
                 <a:tabLst/>
                 <a:defRPr/>
               </a:pPr>
-              <a:t>3/4/19 8:28 PM</a:t>
+              <a:t>6/5/19 4:27 PM</a:t>
             </a:fld>
             <a:endParaRPr kumimoji="0" lang="en-US" sz="1200" b="0" i="0" u="none" strike="noStrike" kern="1200" cap="none" spc="0" normalizeH="0" baseline="0" noProof="0" dirty="0">
               <a:ln>
@@ -1296,7 +1296,7 @@
           <a:p>
             <a:fld id="{D18B56EA-E28F-4F92-9F16-7A6F2501B303}" type="datetime8">
               <a:rPr lang="en-US" smtClean="0"/>
-              <a:t>3/4/19 8:28 PM</a:t>
+              <a:t>6/5/19 4:27 PM</a:t>
             </a:fld>
             <a:endParaRPr lang="en-US" dirty="0"/>
           </a:p>
@@ -1477,7 +1477,7 @@
           <a:p>
             <a:fld id="{D18B56EA-E28F-4F92-9F16-7A6F2501B303}" type="datetime8">
               <a:rPr lang="en-US" smtClean="0"/>
-              <a:t>3/4/19 8:28 PM</a:t>
+              <a:t>6/5/19 4:27 PM</a:t>
             </a:fld>
             <a:endParaRPr lang="en-US" dirty="0"/>
           </a:p>
@@ -1763,7 +1763,7 @@
                 <a:tabLst/>
                 <a:defRPr/>
               </a:pPr>
-              <a:t>3/4/19 8:28 PM</a:t>
+              <a:t>6/5/19 4:27 PM</a:t>
             </a:fld>
             <a:endParaRPr kumimoji="0" lang="en-US" sz="1200" b="0" i="0" u="none" strike="noStrike" kern="1200" cap="none" spc="0" normalizeH="0" baseline="0" noProof="0" dirty="0">
               <a:ln>
@@ -2211,7 +2211,7 @@
                 <a:tabLst/>
                 <a:defRPr/>
               </a:pPr>
-              <a:t>3/4/19 8:28 PM</a:t>
+              <a:t>6/5/19 4:27 PM</a:t>
             </a:fld>
             <a:endParaRPr kumimoji="0" lang="en-US" sz="1200" b="0" i="0" u="none" strike="noStrike" kern="1200" cap="none" spc="0" normalizeH="0" baseline="0" noProof="0" dirty="0">
               <a:ln>
@@ -2763,7 +2763,7 @@
                 <a:tabLst/>
                 <a:defRPr/>
               </a:pPr>
-              <a:t>3/4/19 8:28 PM</a:t>
+              <a:t>6/5/19 4:27 PM</a:t>
             </a:fld>
             <a:endParaRPr kumimoji="0" lang="en-US" sz="1200" b="0" i="0" u="none" strike="noStrike" kern="1200" cap="none" spc="0" normalizeH="0" baseline="0" noProof="0" dirty="0">
               <a:ln>
@@ -3027,7 +3027,7 @@
           <a:p>
             <a:fld id="{D18B56EA-E28F-4F92-9F16-7A6F2501B303}" type="datetime8">
               <a:rPr lang="en-US" smtClean="0"/>
-              <a:t>3/4/19 8:28 PM</a:t>
+              <a:t>6/5/19 4:27 PM</a:t>
             </a:fld>
             <a:endParaRPr lang="en-US" dirty="0"/>
           </a:p>
@@ -3225,7 +3225,7 @@
           <a:p>
             <a:fld id="{D18B56EA-E28F-4F92-9F16-7A6F2501B303}" type="datetime8">
               <a:rPr lang="en-US" smtClean="0"/>
-              <a:t>3/4/19 8:28 PM</a:t>
+              <a:t>6/5/19 4:27 PM</a:t>
             </a:fld>
             <a:endParaRPr lang="en-US" dirty="0"/>
           </a:p>
@@ -3974,7 +3974,7 @@
           <a:p>
             <a:fld id="{D18B56EA-E28F-4F92-9F16-7A6F2501B303}" type="datetime8">
               <a:rPr lang="en-US" smtClean="0"/>
-              <a:t>3/4/19 8:28 PM</a:t>
+              <a:t>6/5/19 4:27 PM</a:t>
             </a:fld>
             <a:endParaRPr lang="en-US" dirty="0"/>
           </a:p>
@@ -4155,7 +4155,7 @@
           <a:p>
             <a:fld id="{D18B56EA-E28F-4F92-9F16-7A6F2501B303}" type="datetime8">
               <a:rPr lang="en-US" smtClean="0"/>
-              <a:t>3/4/19 8:28 PM</a:t>
+              <a:t>6/5/19 4:27 PM</a:t>
             </a:fld>
             <a:endParaRPr lang="en-US" dirty="0"/>
           </a:p>
@@ -4336,7 +4336,7 @@
           <a:p>
             <a:fld id="{D18B56EA-E28F-4F92-9F16-7A6F2501B303}" type="datetime8">
               <a:rPr lang="en-US" smtClean="0"/>
-              <a:t>3/4/19 8:28 PM</a:t>
+              <a:t>6/5/19 4:27 PM</a:t>
             </a:fld>
             <a:endParaRPr lang="en-US" dirty="0"/>
           </a:p>
@@ -14632,7 +14632,7 @@
       </a:lvl9pPr>
     </p:otherStyle>
   </p:txStyles>
-  <p:extLst mod="1">
+  <p:extLst>
     <p:ext uri="{27BBF7A9-308A-43DC-89C8-2F10F3537804}">
       <p15:sldGuideLst xmlns:p15="http://schemas.microsoft.com/office/powerpoint/2012/main">
         <p15:guide id="3" pos="1381" userDrawn="1">

--- a/OfficeAddin/01 Building Add-ins for Microsoft Word/03 Content Controls in Word Add-ins.pptx
+++ b/OfficeAddin/01 Building Add-ins for Microsoft Word/03 Content Controls in Word Add-ins.pptx
@@ -261,7 +261,7 @@
               <a:rPr lang="en-US" smtClean="0">
                 <a:latin typeface="Segoe UI" pitchFamily="34" charset="0"/>
               </a:rPr>
-              <a:t>6/5/19 4:27 PM</a:t>
+              <a:t>9/8/19 8:08 PM</a:t>
             </a:fld>
             <a:endParaRPr lang="en-US" dirty="0">
               <a:latin typeface="Segoe UI" pitchFamily="34" charset="0"/>
@@ -555,7 +555,7 @@
           <a:p>
             <a:fld id="{D18B56EA-E28F-4F92-9F16-7A6F2501B303}" type="datetime8">
               <a:rPr lang="en-US" smtClean="0"/>
-              <a:t>6/5/19 4:27 PM</a:t>
+              <a:t>9/8/19 8:08 PM</a:t>
             </a:fld>
             <a:endParaRPr lang="en-US" dirty="0"/>
           </a:p>
@@ -1043,7 +1043,7 @@
                 <a:tabLst/>
                 <a:defRPr/>
               </a:pPr>
-              <a:t>6/5/19 4:27 PM</a:t>
+              <a:t>9/8/19 8:08 PM</a:t>
             </a:fld>
             <a:endParaRPr kumimoji="0" lang="en-US" sz="1200" b="0" i="0" u="none" strike="noStrike" kern="1200" cap="none" spc="0" normalizeH="0" baseline="0" noProof="0" dirty="0">
               <a:ln>
@@ -1296,7 +1296,7 @@
           <a:p>
             <a:fld id="{D18B56EA-E28F-4F92-9F16-7A6F2501B303}" type="datetime8">
               <a:rPr lang="en-US" smtClean="0"/>
-              <a:t>6/5/19 4:27 PM</a:t>
+              <a:t>9/8/19 8:08 PM</a:t>
             </a:fld>
             <a:endParaRPr lang="en-US" dirty="0"/>
           </a:p>
@@ -1477,7 +1477,7 @@
           <a:p>
             <a:fld id="{D18B56EA-E28F-4F92-9F16-7A6F2501B303}" type="datetime8">
               <a:rPr lang="en-US" smtClean="0"/>
-              <a:t>6/5/19 4:27 PM</a:t>
+              <a:t>9/8/19 8:08 PM</a:t>
             </a:fld>
             <a:endParaRPr lang="en-US" dirty="0"/>
           </a:p>
@@ -1763,7 +1763,7 @@
                 <a:tabLst/>
                 <a:defRPr/>
               </a:pPr>
-              <a:t>6/5/19 4:27 PM</a:t>
+              <a:t>9/8/19 8:08 PM</a:t>
             </a:fld>
             <a:endParaRPr kumimoji="0" lang="en-US" sz="1200" b="0" i="0" u="none" strike="noStrike" kern="1200" cap="none" spc="0" normalizeH="0" baseline="0" noProof="0" dirty="0">
               <a:ln>
@@ -2211,7 +2211,7 @@
                 <a:tabLst/>
                 <a:defRPr/>
               </a:pPr>
-              <a:t>6/5/19 4:27 PM</a:t>
+              <a:t>9/8/19 8:08 PM</a:t>
             </a:fld>
             <a:endParaRPr kumimoji="0" lang="en-US" sz="1200" b="0" i="0" u="none" strike="noStrike" kern="1200" cap="none" spc="0" normalizeH="0" baseline="0" noProof="0" dirty="0">
               <a:ln>
@@ -2763,7 +2763,7 @@
                 <a:tabLst/>
                 <a:defRPr/>
               </a:pPr>
-              <a:t>6/5/19 4:27 PM</a:t>
+              <a:t>9/8/19 8:08 PM</a:t>
             </a:fld>
             <a:endParaRPr kumimoji="0" lang="en-US" sz="1200" b="0" i="0" u="none" strike="noStrike" kern="1200" cap="none" spc="0" normalizeH="0" baseline="0" noProof="0" dirty="0">
               <a:ln>
@@ -3027,7 +3027,7 @@
           <a:p>
             <a:fld id="{D18B56EA-E28F-4F92-9F16-7A6F2501B303}" type="datetime8">
               <a:rPr lang="en-US" smtClean="0"/>
-              <a:t>6/5/19 4:27 PM</a:t>
+              <a:t>9/8/19 8:08 PM</a:t>
             </a:fld>
             <a:endParaRPr lang="en-US" dirty="0"/>
           </a:p>
@@ -3225,7 +3225,7 @@
           <a:p>
             <a:fld id="{D18B56EA-E28F-4F92-9F16-7A6F2501B303}" type="datetime8">
               <a:rPr lang="en-US" smtClean="0"/>
-              <a:t>6/5/19 4:27 PM</a:t>
+              <a:t>9/8/19 8:08 PM</a:t>
             </a:fld>
             <a:endParaRPr lang="en-US" dirty="0"/>
           </a:p>
@@ -3974,7 +3974,7 @@
           <a:p>
             <a:fld id="{D18B56EA-E28F-4F92-9F16-7A6F2501B303}" type="datetime8">
               <a:rPr lang="en-US" smtClean="0"/>
-              <a:t>6/5/19 4:27 PM</a:t>
+              <a:t>9/8/19 8:08 PM</a:t>
             </a:fld>
             <a:endParaRPr lang="en-US" dirty="0"/>
           </a:p>
@@ -4155,7 +4155,7 @@
           <a:p>
             <a:fld id="{D18B56EA-E28F-4F92-9F16-7A6F2501B303}" type="datetime8">
               <a:rPr lang="en-US" smtClean="0"/>
-              <a:t>6/5/19 4:27 PM</a:t>
+              <a:t>9/8/19 8:08 PM</a:t>
             </a:fld>
             <a:endParaRPr lang="en-US" dirty="0"/>
           </a:p>
@@ -4336,7 +4336,7 @@
           <a:p>
             <a:fld id="{D18B56EA-E28F-4F92-9F16-7A6F2501B303}" type="datetime8">
               <a:rPr lang="en-US" smtClean="0"/>
-              <a:t>6/5/19 4:27 PM</a:t>
+              <a:t>9/8/19 8:10 PM</a:t>
             </a:fld>
             <a:endParaRPr lang="en-US" dirty="0"/>
           </a:p>
@@ -19075,7 +19075,7 @@
         <p:spPr>
           <a:xfrm>
             <a:off x="465138" y="1930734"/>
-            <a:ext cx="11533187" cy="4108817"/>
+            <a:ext cx="11533187" cy="4847481"/>
           </a:xfrm>
         </p:spPr>
         <p:txBody>
@@ -19191,7 +19191,7 @@
                 <a:latin typeface="+mj-lt"/>
                 <a:hlinkClick r:id="rId4"/>
               </a:rPr>
-              <a:t>https://dev.office.com/reference/add-ins/word/word-add-ins-reference-overview</a:t>
+              <a:t>https://docs.microsoft.com/en-us/office/dev/add-ins/word/</a:t>
             </a:r>
             <a:endParaRPr lang="en-US" sz="1800" dirty="0">
               <a:latin typeface="+mj-lt"/>
@@ -19317,11 +19317,42 @@
             </a:pPr>
             <a:r>
               <a:rPr lang="en-US" sz="1800" dirty="0">
+                <a:latin typeface="+mj-lt"/>
                 <a:hlinkClick r:id="rId6"/>
               </a:rPr>
-              <a:t>https://dev.office.com/reference/add-ins/word/contentcontrol</a:t>
-            </a:r>
-            <a:endParaRPr lang="en-US" sz="1800" dirty="0"/>
+              <a:t>https://docs.microsoft.com/en-us/javascript/api/word/word.contentcontrol</a:t>
+            </a:r>
+            <a:endParaRPr lang="en-US" sz="1800" dirty="0">
+              <a:latin typeface="+mj-lt"/>
+            </a:endParaRPr>
+          </a:p>
+          <a:p>
+            <a:pPr marL="342900" indent="-342900" defTabSz="914400">
+              <a:lnSpc>
+                <a:spcPct val="100000"/>
+              </a:lnSpc>
+              <a:spcBef>
+                <a:spcPts val="600"/>
+              </a:spcBef>
+              <a:buSzTx/>
+            </a:pPr>
+            <a:endParaRPr lang="en-US" sz="1800" dirty="0">
+              <a:latin typeface="+mj-lt"/>
+            </a:endParaRPr>
+          </a:p>
+          <a:p>
+            <a:pPr marL="342900" indent="-342900" defTabSz="914400">
+              <a:lnSpc>
+                <a:spcPct val="100000"/>
+              </a:lnSpc>
+              <a:spcBef>
+                <a:spcPts val="600"/>
+              </a:spcBef>
+              <a:buSzTx/>
+            </a:pPr>
+            <a:endParaRPr lang="en-US" sz="1800" dirty="0">
+              <a:latin typeface="+mj-lt"/>
+            </a:endParaRPr>
           </a:p>
           <a:p>
             <a:pPr marL="342900" indent="-342900" defTabSz="914400">

--- a/OfficeAddin/01 Building Add-ins for Microsoft Word/03 Content Controls in Word Add-ins.pptx
+++ b/OfficeAddin/01 Building Add-ins for Microsoft Word/03 Content Controls in Word Add-ins.pptx
@@ -261,7 +261,7 @@
               <a:rPr lang="en-US" smtClean="0">
                 <a:latin typeface="Segoe UI" pitchFamily="34" charset="0"/>
               </a:rPr>
-              <a:t>9/8/19 8:08 PM</a:t>
+              <a:t>12/8/19 8:32 PM</a:t>
             </a:fld>
             <a:endParaRPr lang="en-US" dirty="0">
               <a:latin typeface="Segoe UI" pitchFamily="34" charset="0"/>
@@ -555,7 +555,7 @@
           <a:p>
             <a:fld id="{D18B56EA-E28F-4F92-9F16-7A6F2501B303}" type="datetime8">
               <a:rPr lang="en-US" smtClean="0"/>
-              <a:t>9/8/19 8:08 PM</a:t>
+              <a:t>12/8/19 8:32 PM</a:t>
             </a:fld>
             <a:endParaRPr lang="en-US" dirty="0"/>
           </a:p>
@@ -1043,7 +1043,7 @@
                 <a:tabLst/>
                 <a:defRPr/>
               </a:pPr>
-              <a:t>9/8/19 8:08 PM</a:t>
+              <a:t>12/8/19 8:32 PM</a:t>
             </a:fld>
             <a:endParaRPr kumimoji="0" lang="en-US" sz="1200" b="0" i="0" u="none" strike="noStrike" kern="1200" cap="none" spc="0" normalizeH="0" baseline="0" noProof="0" dirty="0">
               <a:ln>
@@ -1296,7 +1296,7 @@
           <a:p>
             <a:fld id="{D18B56EA-E28F-4F92-9F16-7A6F2501B303}" type="datetime8">
               <a:rPr lang="en-US" smtClean="0"/>
-              <a:t>9/8/19 8:08 PM</a:t>
+              <a:t>12/8/19 8:32 PM</a:t>
             </a:fld>
             <a:endParaRPr lang="en-US" dirty="0"/>
           </a:p>
@@ -1477,7 +1477,7 @@
           <a:p>
             <a:fld id="{D18B56EA-E28F-4F92-9F16-7A6F2501B303}" type="datetime8">
               <a:rPr lang="en-US" smtClean="0"/>
-              <a:t>9/8/19 8:08 PM</a:t>
+              <a:t>12/8/19 8:32 PM</a:t>
             </a:fld>
             <a:endParaRPr lang="en-US" dirty="0"/>
           </a:p>
@@ -1763,7 +1763,7 @@
                 <a:tabLst/>
                 <a:defRPr/>
               </a:pPr>
-              <a:t>9/8/19 8:08 PM</a:t>
+              <a:t>12/8/19 8:32 PM</a:t>
             </a:fld>
             <a:endParaRPr kumimoji="0" lang="en-US" sz="1200" b="0" i="0" u="none" strike="noStrike" kern="1200" cap="none" spc="0" normalizeH="0" baseline="0" noProof="0" dirty="0">
               <a:ln>
@@ -2211,7 +2211,7 @@
                 <a:tabLst/>
                 <a:defRPr/>
               </a:pPr>
-              <a:t>9/8/19 8:08 PM</a:t>
+              <a:t>12/8/19 8:32 PM</a:t>
             </a:fld>
             <a:endParaRPr kumimoji="0" lang="en-US" sz="1200" b="0" i="0" u="none" strike="noStrike" kern="1200" cap="none" spc="0" normalizeH="0" baseline="0" noProof="0" dirty="0">
               <a:ln>
@@ -2763,7 +2763,7 @@
                 <a:tabLst/>
                 <a:defRPr/>
               </a:pPr>
-              <a:t>9/8/19 8:08 PM</a:t>
+              <a:t>12/8/19 8:32 PM</a:t>
             </a:fld>
             <a:endParaRPr kumimoji="0" lang="en-US" sz="1200" b="0" i="0" u="none" strike="noStrike" kern="1200" cap="none" spc="0" normalizeH="0" baseline="0" noProof="0" dirty="0">
               <a:ln>
@@ -3027,7 +3027,7 @@
           <a:p>
             <a:fld id="{D18B56EA-E28F-4F92-9F16-7A6F2501B303}" type="datetime8">
               <a:rPr lang="en-US" smtClean="0"/>
-              <a:t>9/8/19 8:08 PM</a:t>
+              <a:t>12/8/19 8:32 PM</a:t>
             </a:fld>
             <a:endParaRPr lang="en-US" dirty="0"/>
           </a:p>
@@ -3225,7 +3225,7 @@
           <a:p>
             <a:fld id="{D18B56EA-E28F-4F92-9F16-7A6F2501B303}" type="datetime8">
               <a:rPr lang="en-US" smtClean="0"/>
-              <a:t>9/8/19 8:08 PM</a:t>
+              <a:t>12/8/19 8:32 PM</a:t>
             </a:fld>
             <a:endParaRPr lang="en-US" dirty="0"/>
           </a:p>
@@ -3974,7 +3974,7 @@
           <a:p>
             <a:fld id="{D18B56EA-E28F-4F92-9F16-7A6F2501B303}" type="datetime8">
               <a:rPr lang="en-US" smtClean="0"/>
-              <a:t>9/8/19 8:08 PM</a:t>
+              <a:t>12/8/19 8:32 PM</a:t>
             </a:fld>
             <a:endParaRPr lang="en-US" dirty="0"/>
           </a:p>
@@ -4155,7 +4155,7 @@
           <a:p>
             <a:fld id="{D18B56EA-E28F-4F92-9F16-7A6F2501B303}" type="datetime8">
               <a:rPr lang="en-US" smtClean="0"/>
-              <a:t>9/8/19 8:08 PM</a:t>
+              <a:t>12/8/19 8:32 PM</a:t>
             </a:fld>
             <a:endParaRPr lang="en-US" dirty="0"/>
           </a:p>
@@ -4336,7 +4336,7 @@
           <a:p>
             <a:fld id="{D18B56EA-E28F-4F92-9F16-7A6F2501B303}" type="datetime8">
               <a:rPr lang="en-US" smtClean="0"/>
-              <a:t>9/8/19 8:10 PM</a:t>
+              <a:t>12/8/19 8:32 PM</a:t>
             </a:fld>
             <a:endParaRPr lang="en-US" dirty="0"/>
           </a:p>
@@ -14819,7 +14819,11 @@
           <a:p>
             <a:r>
               <a:rPr lang="en-US" dirty="0"/>
-              <a:t>Working with Content Controls</a:t>
+              <a:t>Working with </a:t>
+            </a:r>
+            <a:r>
+              <a:rPr lang="en-US"/>
+              <a:t>Content Controls </a:t>
             </a:r>
             <a:endParaRPr lang="en-US" dirty="0">
               <a:noFill/>

--- a/OfficeAddin/01 Building Add-ins for Microsoft Word/03 Content Controls in Word Add-ins.pptx
+++ b/OfficeAddin/01 Building Add-ins for Microsoft Word/03 Content Controls in Word Add-ins.pptx
@@ -261,7 +261,7 @@
               <a:rPr lang="en-US" smtClean="0">
                 <a:latin typeface="Segoe UI" pitchFamily="34" charset="0"/>
               </a:rPr>
-              <a:t>12/8/19 8:32 PM</a:t>
+              <a:t>3/3/20 8:32 PM</a:t>
             </a:fld>
             <a:endParaRPr lang="en-US" dirty="0">
               <a:latin typeface="Segoe UI" pitchFamily="34" charset="0"/>
@@ -555,7 +555,7 @@
           <a:p>
             <a:fld id="{D18B56EA-E28F-4F92-9F16-7A6F2501B303}" type="datetime8">
               <a:rPr lang="en-US" smtClean="0"/>
-              <a:t>12/8/19 8:32 PM</a:t>
+              <a:t>3/3/20 8:32 PM</a:t>
             </a:fld>
             <a:endParaRPr lang="en-US" dirty="0"/>
           </a:p>
@@ -1043,7 +1043,7 @@
                 <a:tabLst/>
                 <a:defRPr/>
               </a:pPr>
-              <a:t>12/8/19 8:32 PM</a:t>
+              <a:t>3/3/20 8:32 PM</a:t>
             </a:fld>
             <a:endParaRPr kumimoji="0" lang="en-US" sz="1200" b="0" i="0" u="none" strike="noStrike" kern="1200" cap="none" spc="0" normalizeH="0" baseline="0" noProof="0" dirty="0">
               <a:ln>
@@ -1296,7 +1296,7 @@
           <a:p>
             <a:fld id="{D18B56EA-E28F-4F92-9F16-7A6F2501B303}" type="datetime8">
               <a:rPr lang="en-US" smtClean="0"/>
-              <a:t>12/8/19 8:32 PM</a:t>
+              <a:t>3/3/20 8:32 PM</a:t>
             </a:fld>
             <a:endParaRPr lang="en-US" dirty="0"/>
           </a:p>
@@ -1477,7 +1477,7 @@
           <a:p>
             <a:fld id="{D18B56EA-E28F-4F92-9F16-7A6F2501B303}" type="datetime8">
               <a:rPr lang="en-US" smtClean="0"/>
-              <a:t>12/8/19 8:32 PM</a:t>
+              <a:t>3/3/20 8:32 PM</a:t>
             </a:fld>
             <a:endParaRPr lang="en-US" dirty="0"/>
           </a:p>
@@ -1763,7 +1763,7 @@
                 <a:tabLst/>
                 <a:defRPr/>
               </a:pPr>
-              <a:t>12/8/19 8:32 PM</a:t>
+              <a:t>3/3/20 8:32 PM</a:t>
             </a:fld>
             <a:endParaRPr kumimoji="0" lang="en-US" sz="1200" b="0" i="0" u="none" strike="noStrike" kern="1200" cap="none" spc="0" normalizeH="0" baseline="0" noProof="0" dirty="0">
               <a:ln>
@@ -2211,7 +2211,7 @@
                 <a:tabLst/>
                 <a:defRPr/>
               </a:pPr>
-              <a:t>12/8/19 8:32 PM</a:t>
+              <a:t>3/3/20 8:32 PM</a:t>
             </a:fld>
             <a:endParaRPr kumimoji="0" lang="en-US" sz="1200" b="0" i="0" u="none" strike="noStrike" kern="1200" cap="none" spc="0" normalizeH="0" baseline="0" noProof="0" dirty="0">
               <a:ln>
@@ -2763,7 +2763,7 @@
                 <a:tabLst/>
                 <a:defRPr/>
               </a:pPr>
-              <a:t>12/8/19 8:32 PM</a:t>
+              <a:t>3/3/20 8:32 PM</a:t>
             </a:fld>
             <a:endParaRPr kumimoji="0" lang="en-US" sz="1200" b="0" i="0" u="none" strike="noStrike" kern="1200" cap="none" spc="0" normalizeH="0" baseline="0" noProof="0" dirty="0">
               <a:ln>
@@ -3027,7 +3027,7 @@
           <a:p>
             <a:fld id="{D18B56EA-E28F-4F92-9F16-7A6F2501B303}" type="datetime8">
               <a:rPr lang="en-US" smtClean="0"/>
-              <a:t>12/8/19 8:32 PM</a:t>
+              <a:t>3/3/20 8:32 PM</a:t>
             </a:fld>
             <a:endParaRPr lang="en-US" dirty="0"/>
           </a:p>
@@ -3225,7 +3225,7 @@
           <a:p>
             <a:fld id="{D18B56EA-E28F-4F92-9F16-7A6F2501B303}" type="datetime8">
               <a:rPr lang="en-US" smtClean="0"/>
-              <a:t>12/8/19 8:32 PM</a:t>
+              <a:t>3/3/20 8:32 PM</a:t>
             </a:fld>
             <a:endParaRPr lang="en-US" dirty="0"/>
           </a:p>
@@ -3974,7 +3974,7 @@
           <a:p>
             <a:fld id="{D18B56EA-E28F-4F92-9F16-7A6F2501B303}" type="datetime8">
               <a:rPr lang="en-US" smtClean="0"/>
-              <a:t>12/8/19 8:32 PM</a:t>
+              <a:t>3/3/20 8:32 PM</a:t>
             </a:fld>
             <a:endParaRPr lang="en-US" dirty="0"/>
           </a:p>
@@ -4155,7 +4155,7 @@
           <a:p>
             <a:fld id="{D18B56EA-E28F-4F92-9F16-7A6F2501B303}" type="datetime8">
               <a:rPr lang="en-US" smtClean="0"/>
-              <a:t>12/8/19 8:32 PM</a:t>
+              <a:t>3/3/20 8:32 PM</a:t>
             </a:fld>
             <a:endParaRPr lang="en-US" dirty="0"/>
           </a:p>
@@ -4336,7 +4336,7 @@
           <a:p>
             <a:fld id="{D18B56EA-E28F-4F92-9F16-7A6F2501B303}" type="datetime8">
               <a:rPr lang="en-US" smtClean="0"/>
-              <a:t>12/8/19 8:32 PM</a:t>
+              <a:t>3/3/20 8:32 PM</a:t>
             </a:fld>
             <a:endParaRPr lang="en-US" dirty="0"/>
           </a:p>
@@ -14823,7 +14823,7 @@
             </a:r>
             <a:r>
               <a:rPr lang="en-US"/>
-              <a:t>Content Controls </a:t>
+              <a:t>Content Controls  </a:t>
             </a:r>
             <a:endParaRPr lang="en-US" dirty="0">
               <a:noFill/>

--- a/OfficeAddin/01 Building Add-ins for Microsoft Word/03 Content Controls in Word Add-ins.pptx
+++ b/OfficeAddin/01 Building Add-ins for Microsoft Word/03 Content Controls in Word Add-ins.pptx
@@ -261,7 +261,7 @@
               <a:rPr lang="en-US" smtClean="0">
                 <a:latin typeface="Segoe UI" pitchFamily="34" charset="0"/>
               </a:rPr>
-              <a:t>3/3/20 8:32 PM</a:t>
+              <a:t>3/31/20 11:41 AM</a:t>
             </a:fld>
             <a:endParaRPr lang="en-US" dirty="0">
               <a:latin typeface="Segoe UI" pitchFamily="34" charset="0"/>
@@ -555,7 +555,7 @@
           <a:p>
             <a:fld id="{D18B56EA-E28F-4F92-9F16-7A6F2501B303}" type="datetime8">
               <a:rPr lang="en-US" smtClean="0"/>
-              <a:t>3/3/20 8:32 PM</a:t>
+              <a:t>3/31/20 11:41 AM</a:t>
             </a:fld>
             <a:endParaRPr lang="en-US" dirty="0"/>
           </a:p>
@@ -1043,7 +1043,7 @@
                 <a:tabLst/>
                 <a:defRPr/>
               </a:pPr>
-              <a:t>3/3/20 8:32 PM</a:t>
+              <a:t>3/31/20 11:41 AM</a:t>
             </a:fld>
             <a:endParaRPr kumimoji="0" lang="en-US" sz="1200" b="0" i="0" u="none" strike="noStrike" kern="1200" cap="none" spc="0" normalizeH="0" baseline="0" noProof="0" dirty="0">
               <a:ln>
@@ -1296,7 +1296,7 @@
           <a:p>
             <a:fld id="{D18B56EA-E28F-4F92-9F16-7A6F2501B303}" type="datetime8">
               <a:rPr lang="en-US" smtClean="0"/>
-              <a:t>3/3/20 8:32 PM</a:t>
+              <a:t>3/31/20 11:41 AM</a:t>
             </a:fld>
             <a:endParaRPr lang="en-US" dirty="0"/>
           </a:p>
@@ -1477,7 +1477,7 @@
           <a:p>
             <a:fld id="{D18B56EA-E28F-4F92-9F16-7A6F2501B303}" type="datetime8">
               <a:rPr lang="en-US" smtClean="0"/>
-              <a:t>3/3/20 8:32 PM</a:t>
+              <a:t>3/31/20 11:41 AM</a:t>
             </a:fld>
             <a:endParaRPr lang="en-US" dirty="0"/>
           </a:p>
@@ -1564,7 +1564,10 @@
           <a:bodyPr/>
           <a:lstStyle/>
           <a:p>
-            <a:endParaRPr lang="en-US"/>
+            <a:r>
+              <a:rPr lang="en-US" dirty="0"/>
+              <a:t>In this unit, you'll learn what content controls are and how you can use them in Microsoft Word documents.</a:t>
+            </a:r>
           </a:p>
         </p:txBody>
       </p:sp>
@@ -1763,7 +1766,7 @@
                 <a:tabLst/>
                 <a:defRPr/>
               </a:pPr>
-              <a:t>3/3/20 8:32 PM</a:t>
+              <a:t>3/31/20 3:58 PM</a:t>
             </a:fld>
             <a:endParaRPr kumimoji="0" lang="en-US" sz="1200" b="0" i="0" u="none" strike="noStrike" kern="1200" cap="none" spc="0" normalizeH="0" baseline="0" noProof="0" dirty="0">
               <a:ln>
@@ -1939,11 +1942,11 @@
                 <a:ea typeface="+mn-ea"/>
                 <a:cs typeface="+mn-cs"/>
               </a:rPr>
-              <a:t>Content controls are bounded and potentially labeled regions in a document that serve as containers for specific types of content (similar to a field).</a:t>
-            </a:r>
-          </a:p>
-          <a:p>
-            <a:pPr>
+              <a:t>Content controls are bounded in a document that serve as containers for specific types of content (similar to a field). Authors can label content controls to indicate to consumers how to use the content.</a:t>
+            </a:r>
+          </a:p>
+          <a:p>
+            <a:pPr lvl="0">
               <a:lnSpc>
                 <a:spcPct val="90000"/>
               </a:lnSpc>
@@ -1951,14 +1954,6 @@
                 <a:spcPts val="600"/>
               </a:spcBef>
             </a:pPr>
-            <a:r>
-              <a:rPr lang="en-US" sz="900" dirty="0">
-                <a:solidFill>
-                  <a:srgbClr val="2F2F2F"/>
-                </a:solidFill>
-              </a:rPr>
-              <a:t>Content controls add structure to an otherwise unstructured range on text.</a:t>
-            </a:r>
             <a:endParaRPr lang="en-US" sz="900" kern="1200" dirty="0">
               <a:solidFill>
                 <a:srgbClr val="2F2F2F"/>
@@ -1986,7 +1981,46 @@
                 <a:ea typeface="+mn-ea"/>
                 <a:cs typeface="+mn-cs"/>
               </a:rPr>
-              <a:t>Individual content controls may contain contents such as images, tables, or paragraphs of formatted text. Currently, only rich text content controls are supported in </a:t>
+              <a:t>Content controls are used to add structure to an otherwise unstructured range on text. They are especially useful in document templates.</a:t>
+            </a:r>
+          </a:p>
+          <a:p>
+            <a:pPr lvl="0">
+              <a:lnSpc>
+                <a:spcPct val="90000"/>
+              </a:lnSpc>
+              <a:spcBef>
+                <a:spcPts val="600"/>
+              </a:spcBef>
+            </a:pPr>
+            <a:endParaRPr lang="en-US" sz="900" kern="1200" dirty="0">
+              <a:solidFill>
+                <a:srgbClr val="2F2F2F"/>
+              </a:solidFill>
+              <a:latin typeface="Segoe UI Light" pitchFamily="34" charset="0"/>
+              <a:ea typeface="+mn-ea"/>
+              <a:cs typeface="+mn-cs"/>
+            </a:endParaRPr>
+          </a:p>
+          <a:p>
+            <a:pPr lvl="0">
+              <a:lnSpc>
+                <a:spcPct val="90000"/>
+              </a:lnSpc>
+              <a:spcBef>
+                <a:spcPts val="600"/>
+              </a:spcBef>
+            </a:pPr>
+            <a:r>
+              <a:rPr lang="en-US" sz="900" kern="1200" dirty="0">
+                <a:solidFill>
+                  <a:srgbClr val="2F2F2F"/>
+                </a:solidFill>
+                <a:latin typeface="Segoe UI Light" pitchFamily="34" charset="0"/>
+                <a:ea typeface="+mn-ea"/>
+                <a:cs typeface="+mn-cs"/>
+              </a:rPr>
+              <a:t>Individual content controls may contain contents such as images, tables, or paragraphs of formatted text. Developers can interact with rich text content controls using the Word JavaScript API, </a:t>
             </a:r>
             <a:r>
               <a:rPr lang="en-US" sz="900" kern="1200" dirty="0" err="1">
@@ -2010,8 +2044,6 @@
               </a:rPr>
               <a:t>.</a:t>
             </a:r>
-          </a:p>
-          <a:p>
             <a:endParaRPr lang="en-US" dirty="0"/>
           </a:p>
         </p:txBody>
@@ -2211,7 +2243,7 @@
                 <a:tabLst/>
                 <a:defRPr/>
               </a:pPr>
-              <a:t>3/3/20 8:32 PM</a:t>
+              <a:t>3/31/20 4:00 PM</a:t>
             </a:fld>
             <a:endParaRPr kumimoji="0" lang="en-US" sz="1200" b="0" i="0" u="none" strike="noStrike" kern="1200" cap="none" spc="0" normalizeH="0" baseline="0" noProof="0" dirty="0">
               <a:ln>
@@ -2384,23 +2416,7 @@
                   <a:srgbClr val="2F2F2F"/>
                 </a:solidFill>
               </a:rPr>
-              <a:t>The document body and any table, </a:t>
-            </a:r>
-            <a:r>
-              <a:rPr lang="en-US" dirty="0" err="1">
-                <a:solidFill>
-                  <a:srgbClr val="2F2F2F"/>
-                </a:solidFill>
-              </a:rPr>
-              <a:t>inlinePicture</a:t>
-            </a:r>
-            <a:r>
-              <a:rPr lang="en-US" dirty="0">
-                <a:solidFill>
-                  <a:srgbClr val="2F2F2F"/>
-                </a:solidFill>
-              </a:rPr>
-              <a:t>, paragraph or range can be wrapped in a content control.</a:t>
+              <a:t>### Insert content controls in Word documents</a:t>
             </a:r>
           </a:p>
           <a:p>
@@ -2412,46 +2428,11 @@
                 <a:spcPts val="600"/>
               </a:spcBef>
             </a:pPr>
-            <a:r>
-              <a:rPr lang="en-US" dirty="0">
-                <a:solidFill>
-                  <a:srgbClr val="2F2F2F"/>
-                </a:solidFill>
-              </a:rPr>
-              <a:t>Create a content control by getting reference to a supported object and use the </a:t>
-            </a:r>
-            <a:r>
-              <a:rPr lang="en-US" dirty="0" err="1">
-                <a:solidFill>
-                  <a:srgbClr val="2F2F2F"/>
-                </a:solidFill>
-              </a:rPr>
-              <a:t>insertContentControl</a:t>
-            </a:r>
-            <a:r>
-              <a:rPr lang="en-US" dirty="0">
-                <a:solidFill>
-                  <a:srgbClr val="2F2F2F"/>
-                </a:solidFill>
-              </a:rPr>
-              <a:t>() function, which returns a </a:t>
-            </a:r>
-            <a:r>
-              <a:rPr lang="en-US" dirty="0" err="1">
-                <a:solidFill>
-                  <a:srgbClr val="2F2F2F"/>
-                </a:solidFill>
-              </a:rPr>
-              <a:t>ContentControl</a:t>
-            </a:r>
-            <a:r>
-              <a:rPr lang="en-US" dirty="0">
-                <a:solidFill>
-                  <a:srgbClr val="2F2F2F"/>
-                </a:solidFill>
-              </a:rPr>
-              <a:t> object.</a:t>
-            </a:r>
+            <a:endParaRPr lang="en-US" dirty="0">
+              <a:solidFill>
+                <a:srgbClr val="2F2F2F"/>
+              </a:solidFill>
+            </a:endParaRPr>
           </a:p>
           <a:p>
             <a:pPr lvl="0">
@@ -2468,7 +2449,7 @@
                   <a:srgbClr val="2F2F2F"/>
                 </a:solidFill>
               </a:rPr>
-              <a:t>Content controls have a number of properties that make them easier to use and to reference/update later.</a:t>
+              <a:t>The document body and any table, inline picture, paragraph or range can be wrapped in a content control.</a:t>
             </a:r>
           </a:p>
           <a:p>
@@ -2480,30 +2461,11 @@
                 <a:spcPts val="600"/>
               </a:spcBef>
             </a:pPr>
-            <a:r>
-              <a:rPr lang="en-US" dirty="0">
-                <a:solidFill>
-                  <a:srgbClr val="2F2F2F"/>
-                </a:solidFill>
-              </a:rPr>
-              <a:t>Content controls can accessed through the </a:t>
-            </a:r>
-            <a:r>
-              <a:rPr lang="en-US" dirty="0" err="1">
-                <a:solidFill>
-                  <a:srgbClr val="2F2F2F"/>
-                </a:solidFill>
-              </a:rPr>
-              <a:t>contentControls</a:t>
-            </a:r>
-            <a:r>
-              <a:rPr lang="en-US" dirty="0">
-                <a:solidFill>
-                  <a:srgbClr val="2F2F2F"/>
-                </a:solidFill>
-              </a:rPr>
-              <a:t> collection of an object and filtered specific by Id, Tag, Title, or Type.</a:t>
-            </a:r>
+            <a:endParaRPr lang="en-US" dirty="0">
+              <a:solidFill>
+                <a:srgbClr val="2F2F2F"/>
+              </a:solidFill>
+            </a:endParaRPr>
           </a:p>
           <a:p>
             <a:pPr lvl="0">
@@ -2520,7 +2482,7 @@
                   <a:srgbClr val="2F2F2F"/>
                 </a:solidFill>
               </a:rPr>
-              <a:t>Content of a content control can be accessed using get and insert operations on that object (ex: </a:t>
+              <a:t>Create a content control by first getting reference to a supported object and using the `</a:t>
             </a:r>
             <a:r>
               <a:rPr lang="en-US" dirty="0" err="1">
@@ -2528,7 +2490,7 @@
                   <a:srgbClr val="2F2F2F"/>
                 </a:solidFill>
               </a:rPr>
-              <a:t>getHtml</a:t>
+              <a:t>insertContentControl</a:t>
             </a:r>
             <a:r>
               <a:rPr lang="en-US" dirty="0">
@@ -2536,7 +2498,7 @@
                   <a:srgbClr val="2F2F2F"/>
                 </a:solidFill>
               </a:rPr>
-              <a:t> or </a:t>
+              <a:t>()` method. This method returns an instance of the `</a:t>
             </a:r>
             <a:r>
               <a:rPr lang="en-US" dirty="0" err="1">
@@ -2544,7 +2506,7 @@
                   <a:srgbClr val="2F2F2F"/>
                 </a:solidFill>
               </a:rPr>
-              <a:t>insertTable</a:t>
+              <a:t>ContentControl</a:t>
             </a:r>
             <a:r>
               <a:rPr lang="en-US" dirty="0">
@@ -2552,7 +2514,7 @@
                   <a:srgbClr val="2F2F2F"/>
                 </a:solidFill>
               </a:rPr>
-              <a:t>)</a:t>
+              <a:t>` object.</a:t>
             </a:r>
           </a:p>
           <a:p>
@@ -2564,7 +2526,176 @@
                 <a:spcPts val="600"/>
               </a:spcBef>
             </a:pPr>
-            <a:endParaRPr lang="en-US" dirty="0"/>
+            <a:endParaRPr lang="en-US" dirty="0">
+              <a:solidFill>
+                <a:srgbClr val="2F2F2F"/>
+              </a:solidFill>
+            </a:endParaRPr>
+          </a:p>
+          <a:p>
+            <a:pPr lvl="0">
+              <a:lnSpc>
+                <a:spcPct val="90000"/>
+              </a:lnSpc>
+              <a:spcBef>
+                <a:spcPts val="600"/>
+              </a:spcBef>
+            </a:pPr>
+            <a:r>
+              <a:rPr lang="en-US" dirty="0">
+                <a:solidFill>
+                  <a:srgbClr val="2F2F2F"/>
+                </a:solidFill>
+              </a:rPr>
+              <a:t>Content controls have a number of properties that make them easier to use and to reference or update their contents at a later date.</a:t>
+            </a:r>
+          </a:p>
+          <a:p>
+            <a:pPr lvl="0">
+              <a:lnSpc>
+                <a:spcPct val="90000"/>
+              </a:lnSpc>
+              <a:spcBef>
+                <a:spcPts val="600"/>
+              </a:spcBef>
+            </a:pPr>
+            <a:endParaRPr lang="en-US" dirty="0">
+              <a:solidFill>
+                <a:srgbClr val="2F2F2F"/>
+              </a:solidFill>
+            </a:endParaRPr>
+          </a:p>
+          <a:p>
+            <a:pPr lvl="0">
+              <a:lnSpc>
+                <a:spcPct val="90000"/>
+              </a:lnSpc>
+              <a:spcBef>
+                <a:spcPts val="600"/>
+              </a:spcBef>
+            </a:pPr>
+            <a:r>
+              <a:rPr lang="en-US" dirty="0">
+                <a:solidFill>
+                  <a:srgbClr val="2F2F2F"/>
+                </a:solidFill>
+              </a:rPr>
+              <a:t>### Update content in content controls</a:t>
+            </a:r>
+          </a:p>
+          <a:p>
+            <a:pPr lvl="0">
+              <a:lnSpc>
+                <a:spcPct val="90000"/>
+              </a:lnSpc>
+              <a:spcBef>
+                <a:spcPts val="600"/>
+              </a:spcBef>
+            </a:pPr>
+            <a:endParaRPr lang="en-US" dirty="0">
+              <a:solidFill>
+                <a:srgbClr val="2F2F2F"/>
+              </a:solidFill>
+            </a:endParaRPr>
+          </a:p>
+          <a:p>
+            <a:pPr lvl="0">
+              <a:lnSpc>
+                <a:spcPct val="90000"/>
+              </a:lnSpc>
+              <a:spcBef>
+                <a:spcPts val="600"/>
+              </a:spcBef>
+            </a:pPr>
+            <a:r>
+              <a:rPr lang="en-US" dirty="0">
+                <a:solidFill>
+                  <a:srgbClr val="2F2F2F"/>
+                </a:solidFill>
+              </a:rPr>
+              <a:t>Content controls can accessed through the `</a:t>
+            </a:r>
+            <a:r>
+              <a:rPr lang="en-US" dirty="0" err="1">
+                <a:solidFill>
+                  <a:srgbClr val="2F2F2F"/>
+                </a:solidFill>
+              </a:rPr>
+              <a:t>contentControls</a:t>
+            </a:r>
+            <a:r>
+              <a:rPr lang="en-US" dirty="0">
+                <a:solidFill>
+                  <a:srgbClr val="2F2F2F"/>
+                </a:solidFill>
+              </a:rPr>
+              <a:t>` collection of an object and filtered specific to `ID`, `Tag`, `Title`, or `Type`.</a:t>
+            </a:r>
+          </a:p>
+          <a:p>
+            <a:pPr lvl="0">
+              <a:lnSpc>
+                <a:spcPct val="90000"/>
+              </a:lnSpc>
+              <a:spcBef>
+                <a:spcPts val="600"/>
+              </a:spcBef>
+            </a:pPr>
+            <a:endParaRPr lang="en-US" dirty="0">
+              <a:solidFill>
+                <a:srgbClr val="2F2F2F"/>
+              </a:solidFill>
+            </a:endParaRPr>
+          </a:p>
+          <a:p>
+            <a:pPr lvl="0">
+              <a:lnSpc>
+                <a:spcPct val="90000"/>
+              </a:lnSpc>
+              <a:spcBef>
+                <a:spcPts val="600"/>
+              </a:spcBef>
+            </a:pPr>
+            <a:r>
+              <a:rPr lang="en-US" dirty="0">
+                <a:solidFill>
+                  <a:srgbClr val="2F2F2F"/>
+                </a:solidFill>
+              </a:rPr>
+              <a:t>The content in a content control can be accessed using `get*()` and `insert*()` methods on the corresponding object, such as `</a:t>
+            </a:r>
+            <a:r>
+              <a:rPr lang="en-US" dirty="0" err="1">
+                <a:solidFill>
+                  <a:srgbClr val="2F2F2F"/>
+                </a:solidFill>
+              </a:rPr>
+              <a:t>getHtml</a:t>
+            </a:r>
+            <a:r>
+              <a:rPr lang="en-US" dirty="0">
+                <a:solidFill>
+                  <a:srgbClr val="2F2F2F"/>
+                </a:solidFill>
+              </a:rPr>
+              <a:t>()` and `</a:t>
+            </a:r>
+            <a:r>
+              <a:rPr lang="en-US" dirty="0" err="1">
+                <a:solidFill>
+                  <a:srgbClr val="2F2F2F"/>
+                </a:solidFill>
+              </a:rPr>
+              <a:t>insertTable</a:t>
+            </a:r>
+            <a:r>
+              <a:rPr lang="en-US" dirty="0">
+                <a:solidFill>
+                  <a:srgbClr val="2F2F2F"/>
+                </a:solidFill>
+              </a:rPr>
+              <a:t>()`.</a:t>
+            </a:r>
           </a:p>
         </p:txBody>
       </p:sp>
@@ -2763,7 +2894,7 @@
                 <a:tabLst/>
                 <a:defRPr/>
               </a:pPr>
-              <a:t>3/3/20 8:32 PM</a:t>
+              <a:t>3/31/20 4:10 PM</a:t>
             </a:fld>
             <a:endParaRPr kumimoji="0" lang="en-US" sz="1200" b="0" i="0" u="none" strike="noStrike" kern="1200" cap="none" spc="0" normalizeH="0" baseline="0" noProof="0" dirty="0">
               <a:ln>
@@ -2924,7 +3055,15 @@
           <a:p>
             <a:r>
               <a:rPr lang="en-US" dirty="0"/>
-              <a:t>This table outlines the properties that can be set for a content control using </a:t>
+              <a:t>The following table contains a list of properties available to developers on the `</a:t>
+            </a:r>
+            <a:r>
+              <a:rPr lang="en-US" dirty="0" err="1"/>
+              <a:t>ContentControl</a:t>
+            </a:r>
+            <a:r>
+              <a:rPr lang="en-US" dirty="0"/>
+              <a:t>` object. Each of these properties can be set using </a:t>
             </a:r>
             <a:r>
               <a:rPr lang="en-US" dirty="0" err="1"/>
@@ -2932,7 +3071,16 @@
             </a:r>
             <a:r>
               <a:rPr lang="en-US" dirty="0"/>
-              <a:t>, notice a number of properties to determine the appearance (ex: appearance, style, color) and many that are used to make the control easily referenceable such as tag.</a:t>
+              <a:t>.</a:t>
+            </a:r>
+          </a:p>
+          <a:p>
+            <a:endParaRPr lang="en-US" dirty="0"/>
+          </a:p>
+          <a:p>
+            <a:r>
+              <a:rPr lang="en-US" dirty="0"/>
+              <a:t>Notice a number of the properties determine the appearance of the content. Many of the properties are used to easily reference the control, such as the `tag` property.</a:t>
             </a:r>
           </a:p>
         </p:txBody>
@@ -3027,7 +3175,7 @@
           <a:p>
             <a:fld id="{D18B56EA-E28F-4F92-9F16-7A6F2501B303}" type="datetime8">
               <a:rPr lang="en-US" smtClean="0"/>
-              <a:t>3/3/20 8:32 PM</a:t>
+              <a:t>3/31/20 4:13 PM</a:t>
             </a:fld>
             <a:endParaRPr lang="en-US" dirty="0"/>
           </a:p>
@@ -3120,17 +3268,15 @@
             </a:pPr>
             <a:r>
               <a:rPr lang="en-US" dirty="0"/>
-              <a:t>The first sample here is inserting a few paragraphs as HTML to the end of an existing paragraph</a:t>
-            </a:r>
-          </a:p>
-          <a:p>
-            <a:pPr marL="171450" indent="-171450">
-              <a:buFont typeface="Arial" panose="020B0604020202020204" pitchFamily="34" charset="0"/>
-              <a:buChar char="•"/>
-            </a:pPr>
-            <a:r>
-              <a:rPr lang="en-US" dirty="0"/>
-              <a:t>The second sample is reading a paragraph as HTML</a:t>
+              <a:t>The following code examples include common scenarios developers will encounter when using </a:t>
+            </a:r>
+            <a:r>
+              <a:rPr lang="en-US" dirty="0" err="1"/>
+              <a:t>Office.js</a:t>
+            </a:r>
+            <a:r>
+              <a:rPr lang="en-US" dirty="0"/>
+              <a:t> and content controls:</a:t>
             </a:r>
           </a:p>
         </p:txBody>
@@ -3225,7 +3371,7 @@
           <a:p>
             <a:fld id="{D18B56EA-E28F-4F92-9F16-7A6F2501B303}" type="datetime8">
               <a:rPr lang="en-US" smtClean="0"/>
-              <a:t>3/3/20 8:32 PM</a:t>
+              <a:t>3/31/20 4:17 PM</a:t>
             </a:fld>
             <a:endParaRPr lang="en-US" dirty="0"/>
           </a:p>
@@ -3974,7 +4120,7 @@
           <a:p>
             <a:fld id="{D18B56EA-E28F-4F92-9F16-7A6F2501B303}" type="datetime8">
               <a:rPr lang="en-US" smtClean="0"/>
-              <a:t>3/3/20 8:32 PM</a:t>
+              <a:t>3/31/20 11:41 AM</a:t>
             </a:fld>
             <a:endParaRPr lang="en-US" dirty="0"/>
           </a:p>
@@ -4155,7 +4301,7 @@
           <a:p>
             <a:fld id="{D18B56EA-E28F-4F92-9F16-7A6F2501B303}" type="datetime8">
               <a:rPr lang="en-US" smtClean="0"/>
-              <a:t>3/3/20 8:32 PM</a:t>
+              <a:t>3/31/20 11:41 AM</a:t>
             </a:fld>
             <a:endParaRPr lang="en-US" dirty="0"/>
           </a:p>
@@ -4336,7 +4482,7 @@
           <a:p>
             <a:fld id="{D18B56EA-E28F-4F92-9F16-7A6F2501B303}" type="datetime8">
               <a:rPr lang="en-US" smtClean="0"/>
-              <a:t>3/3/20 8:32 PM</a:t>
+              <a:t>3/31/20 11:41 AM</a:t>
             </a:fld>
             <a:endParaRPr lang="en-US" dirty="0"/>
           </a:p>
@@ -18345,27 +18491,27 @@
                 <a:latin typeface="Consolas" panose="020B0609020204030204" pitchFamily="49" charset="0"/>
                 <a:cs typeface="Consolas" panose="020B0609020204030204" pitchFamily="49" charset="0"/>
               </a:rPr>
-              <a:t> </a:t>
-            </a:r>
-            <a:r>
-              <a:rPr lang="en-US" sz="1800" b="0">
-                <a:solidFill>
-                  <a:srgbClr val="000000"/>
+              <a:t> = </a:t>
+            </a:r>
+            <a:r>
+              <a:rPr lang="en-US" sz="1800" b="0" dirty="0">
+                <a:solidFill>
+                  <a:srgbClr val="A31515"/>
                 </a:solidFill>
                 <a:latin typeface="Consolas" panose="020B0609020204030204" pitchFamily="49" charset="0"/>
                 <a:cs typeface="Consolas" panose="020B0609020204030204" pitchFamily="49" charset="0"/>
               </a:rPr>
-              <a:t>= </a:t>
-            </a:r>
-            <a:r>
-              <a:rPr lang="en-US" sz="1800" b="0">
+              <a:t>"</a:t>
+            </a:r>
+            <a:r>
+              <a:rPr lang="en-US" sz="1800" b="0" dirty="0" err="1">
                 <a:solidFill>
                   <a:srgbClr val="A31515"/>
                 </a:solidFill>
                 <a:latin typeface="Consolas" panose="020B0609020204030204" pitchFamily="49" charset="0"/>
                 <a:cs typeface="Consolas" panose="020B0609020204030204" pitchFamily="49" charset="0"/>
               </a:rPr>
-              <a:t>"BoundingBox</a:t>
+              <a:t>BoundingBox</a:t>
             </a:r>
             <a:r>
               <a:rPr lang="en-US" sz="1800" b="0" dirty="0">

--- a/OfficeAddin/01 Building Add-ins for Microsoft Word/03 Content Controls in Word Add-ins.pptx
+++ b/OfficeAddin/01 Building Add-ins for Microsoft Word/03 Content Controls in Word Add-ins.pptx
@@ -261,7 +261,7 @@
               <a:rPr lang="en-US" smtClean="0">
                 <a:latin typeface="Segoe UI" pitchFamily="34" charset="0"/>
               </a:rPr>
-              <a:t>3/31/20 11:41 AM</a:t>
+              <a:t>6/17/21 3:03 PM</a:t>
             </a:fld>
             <a:endParaRPr lang="en-US" dirty="0">
               <a:latin typeface="Segoe UI" pitchFamily="34" charset="0"/>
@@ -555,7 +555,7 @@
           <a:p>
             <a:fld id="{D18B56EA-E28F-4F92-9F16-7A6F2501B303}" type="datetime8">
               <a:rPr lang="en-US" smtClean="0"/>
-              <a:t>3/31/20 11:41 AM</a:t>
+              <a:t>6/17/21 3:03 PM</a:t>
             </a:fld>
             <a:endParaRPr lang="en-US" dirty="0"/>
           </a:p>
@@ -1043,7 +1043,7 @@
                 <a:tabLst/>
                 <a:defRPr/>
               </a:pPr>
-              <a:t>3/31/20 11:41 AM</a:t>
+              <a:t>6/17/21 3:03 PM</a:t>
             </a:fld>
             <a:endParaRPr kumimoji="0" lang="en-US" sz="1200" b="0" i="0" u="none" strike="noStrike" kern="1200" cap="none" spc="0" normalizeH="0" baseline="0" noProof="0" dirty="0">
               <a:ln>
@@ -1296,7 +1296,7 @@
           <a:p>
             <a:fld id="{D18B56EA-E28F-4F92-9F16-7A6F2501B303}" type="datetime8">
               <a:rPr lang="en-US" smtClean="0"/>
-              <a:t>3/31/20 11:41 AM</a:t>
+              <a:t>6/17/21 3:03 PM</a:t>
             </a:fld>
             <a:endParaRPr lang="en-US" dirty="0"/>
           </a:p>
@@ -1477,7 +1477,7 @@
           <a:p>
             <a:fld id="{D18B56EA-E28F-4F92-9F16-7A6F2501B303}" type="datetime8">
               <a:rPr lang="en-US" smtClean="0"/>
-              <a:t>3/31/20 11:41 AM</a:t>
+              <a:t>6/17/21 3:03 PM</a:t>
             </a:fld>
             <a:endParaRPr lang="en-US" dirty="0"/>
           </a:p>
@@ -1766,7 +1766,7 @@
                 <a:tabLst/>
                 <a:defRPr/>
               </a:pPr>
-              <a:t>3/31/20 3:58 PM</a:t>
+              <a:t>6/17/21 3:03 PM</a:t>
             </a:fld>
             <a:endParaRPr kumimoji="0" lang="en-US" sz="1200" b="0" i="0" u="none" strike="noStrike" kern="1200" cap="none" spc="0" normalizeH="0" baseline="0" noProof="0" dirty="0">
               <a:ln>
@@ -2243,7 +2243,7 @@
                 <a:tabLst/>
                 <a:defRPr/>
               </a:pPr>
-              <a:t>3/31/20 4:00 PM</a:t>
+              <a:t>6/17/21 3:03 PM</a:t>
             </a:fld>
             <a:endParaRPr kumimoji="0" lang="en-US" sz="1200" b="0" i="0" u="none" strike="noStrike" kern="1200" cap="none" spc="0" normalizeH="0" baseline="0" noProof="0" dirty="0">
               <a:ln>
@@ -2894,7 +2894,7 @@
                 <a:tabLst/>
                 <a:defRPr/>
               </a:pPr>
-              <a:t>3/31/20 4:10 PM</a:t>
+              <a:t>6/17/21 3:03 PM</a:t>
             </a:fld>
             <a:endParaRPr kumimoji="0" lang="en-US" sz="1200" b="0" i="0" u="none" strike="noStrike" kern="1200" cap="none" spc="0" normalizeH="0" baseline="0" noProof="0" dirty="0">
               <a:ln>
@@ -3175,7 +3175,7 @@
           <a:p>
             <a:fld id="{D18B56EA-E28F-4F92-9F16-7A6F2501B303}" type="datetime8">
               <a:rPr lang="en-US" smtClean="0"/>
-              <a:t>3/31/20 4:13 PM</a:t>
+              <a:t>6/17/21 3:03 PM</a:t>
             </a:fld>
             <a:endParaRPr lang="en-US" dirty="0"/>
           </a:p>
@@ -3371,7 +3371,7 @@
           <a:p>
             <a:fld id="{D18B56EA-E28F-4F92-9F16-7A6F2501B303}" type="datetime8">
               <a:rPr lang="en-US" smtClean="0"/>
-              <a:t>3/31/20 4:17 PM</a:t>
+              <a:t>6/17/21 3:03 PM</a:t>
             </a:fld>
             <a:endParaRPr lang="en-US" dirty="0"/>
           </a:p>
@@ -4120,7 +4120,7 @@
           <a:p>
             <a:fld id="{D18B56EA-E28F-4F92-9F16-7A6F2501B303}" type="datetime8">
               <a:rPr lang="en-US" smtClean="0"/>
-              <a:t>3/31/20 11:41 AM</a:t>
+              <a:t>6/17/21 3:03 PM</a:t>
             </a:fld>
             <a:endParaRPr lang="en-US" dirty="0"/>
           </a:p>
@@ -4301,7 +4301,7 @@
           <a:p>
             <a:fld id="{D18B56EA-E28F-4F92-9F16-7A6F2501B303}" type="datetime8">
               <a:rPr lang="en-US" smtClean="0"/>
-              <a:t>3/31/20 11:41 AM</a:t>
+              <a:t>6/17/21 3:03 PM</a:t>
             </a:fld>
             <a:endParaRPr lang="en-US" dirty="0"/>
           </a:p>
@@ -4482,7 +4482,7 @@
           <a:p>
             <a:fld id="{D18B56EA-E28F-4F92-9F16-7A6F2501B303}" type="datetime8">
               <a:rPr lang="en-US" smtClean="0"/>
-              <a:t>3/31/20 11:41 AM</a:t>
+              <a:t>6/17/21 3:03 PM</a:t>
             </a:fld>
             <a:endParaRPr lang="en-US" dirty="0"/>
           </a:p>
@@ -15910,7 +15910,45 @@
                 </a:solidFill>
                 <a:latin typeface="+mj-lt"/>
               </a:rPr>
-              <a:t>Content controls are bounded and potentially labeled regions in a document that serve as containers for specific types of content (similar to a field).</a:t>
+              <a:t>Content controls are bounded and potentially labeled regions in a document that serve as containers for specific types of content </a:t>
+            </a:r>
+            <a:r>
+              <a:rPr lang="en-US" sz="1600" dirty="0">
+                <a:solidFill>
+                  <a:srgbClr val="2F2F2F"/>
+                </a:solidFill>
+                <a:latin typeface="Segoe UI Symbol" panose="020B0502040204020203" pitchFamily="34" charset="0"/>
+                <a:ea typeface="Segoe UI Symbol" panose="020B0502040204020203" pitchFamily="34" charset="0"/>
+              </a:rPr>
+              <a:t>(</a:t>
+            </a:r>
+            <a:r>
+              <a:rPr lang="en-US" sz="1600" dirty="0">
+                <a:solidFill>
+                  <a:srgbClr val="2F2F2F"/>
+                </a:solidFill>
+                <a:latin typeface="+mj-lt"/>
+              </a:rPr>
+              <a:t>similar to a field</a:t>
+            </a:r>
+            <a:r>
+              <a:rPr lang="en-US" sz="1600" dirty="0">
+                <a:solidFill>
+                  <a:srgbClr val="2F2F2F"/>
+                </a:solidFill>
+                <a:latin typeface="Segoe UI Symbol" panose="020B0502040204020203" pitchFamily="34" charset="0"/>
+                <a:ea typeface="Segoe UI Symbol" panose="020B0502040204020203" pitchFamily="34" charset="0"/>
+              </a:rPr>
+              <a:t>)</a:t>
+            </a:r>
+            <a:r>
+              <a:rPr lang="en-US" sz="1600" dirty="0">
+                <a:solidFill>
+                  <a:srgbClr val="2F2F2F"/>
+                </a:solidFill>
+                <a:latin typeface="+mj-lt"/>
+              </a:rPr>
+              <a:t>.</a:t>
             </a:r>
           </a:p>
           <a:p>
@@ -16352,6 +16390,8 @@
                 <a:solidFill>
                   <a:srgbClr val="2F2F2F"/>
                 </a:solidFill>
+                <a:latin typeface="Courier New" panose="02070309020205020404" pitchFamily="49" charset="0"/>
+                <a:cs typeface="Courier New" panose="02070309020205020404" pitchFamily="49" charset="0"/>
               </a:rPr>
               <a:t>inlinePicture</a:t>
             </a:r>
@@ -16386,6 +16426,8 @@
                 <a:solidFill>
                   <a:srgbClr val="2F2F2F"/>
                 </a:solidFill>
+                <a:latin typeface="Courier New" panose="02070309020205020404" pitchFamily="49" charset="0"/>
+                <a:cs typeface="Courier New" panose="02070309020205020404" pitchFamily="49" charset="0"/>
               </a:rPr>
               <a:t>insertContentControl</a:t>
             </a:r>
@@ -16394,14 +16436,26 @@
                 <a:solidFill>
                   <a:srgbClr val="2F2F2F"/>
                 </a:solidFill>
-              </a:rPr>
-              <a:t>() function, which returns a </a:t>
+                <a:latin typeface="Courier New" panose="02070309020205020404" pitchFamily="49" charset="0"/>
+                <a:cs typeface="Courier New" panose="02070309020205020404" pitchFamily="49" charset="0"/>
+              </a:rPr>
+              <a:t>()</a:t>
+            </a:r>
+            <a:r>
+              <a:rPr lang="en-US" dirty="0">
+                <a:solidFill>
+                  <a:srgbClr val="2F2F2F"/>
+                </a:solidFill>
+              </a:rPr>
+              <a:t> function, which returns a </a:t>
             </a:r>
             <a:r>
               <a:rPr lang="en-US" dirty="0" err="1">
                 <a:solidFill>
                   <a:srgbClr val="2F2F2F"/>
                 </a:solidFill>
+                <a:latin typeface="Courier New" panose="02070309020205020404" pitchFamily="49" charset="0"/>
+                <a:cs typeface="Courier New" panose="02070309020205020404" pitchFamily="49" charset="0"/>
               </a:rPr>
               <a:t>ContentControl</a:t>
             </a:r>
@@ -16748,6 +16802,8 @@
                 <a:solidFill>
                   <a:srgbClr val="2F2F2F"/>
                 </a:solidFill>
+                <a:latin typeface="Courier New" panose="02070309020205020404" pitchFamily="49" charset="0"/>
+                <a:cs typeface="Courier New" panose="02070309020205020404" pitchFamily="49" charset="0"/>
               </a:rPr>
               <a:t>contentControls</a:t>
             </a:r>
@@ -16775,13 +16831,33 @@
                   <a:srgbClr val="2F2F2F"/>
                 </a:solidFill>
               </a:rPr>
-              <a:t>Content of a content control can be accessed using get and insert operations on that object (ex: </a:t>
+              <a:t>Content of a content control can be accessed using get and insert operations on that object </a:t>
+            </a:r>
+            <a:r>
+              <a:rPr lang="en-US" dirty="0">
+                <a:solidFill>
+                  <a:srgbClr val="2F2F2F"/>
+                </a:solidFill>
+                <a:latin typeface="Segoe UI Symbol" panose="020B0502040204020203" pitchFamily="34" charset="0"/>
+                <a:ea typeface="Segoe UI Symbol" panose="020B0502040204020203" pitchFamily="34" charset="0"/>
+              </a:rPr>
+              <a:t>(</a:t>
+            </a:r>
+            <a:r>
+              <a:rPr lang="en-US" dirty="0">
+                <a:solidFill>
+                  <a:srgbClr val="2F2F2F"/>
+                </a:solidFill>
+              </a:rPr>
+              <a:t>ex: </a:t>
             </a:r>
             <a:r>
               <a:rPr lang="en-US" dirty="0" err="1">
                 <a:solidFill>
                   <a:srgbClr val="2F2F2F"/>
                 </a:solidFill>
+                <a:latin typeface="Courier New" panose="02070309020205020404" pitchFamily="49" charset="0"/>
+                <a:cs typeface="Courier New" panose="02070309020205020404" pitchFamily="49" charset="0"/>
               </a:rPr>
               <a:t>getHtml</a:t>
             </a:r>
@@ -16798,6 +16874,8 @@
                 <a:solidFill>
                   <a:srgbClr val="2F2F2F"/>
                 </a:solidFill>
+                <a:latin typeface="Courier New" panose="02070309020205020404" pitchFamily="49" charset="0"/>
+                <a:cs typeface="Courier New" panose="02070309020205020404" pitchFamily="49" charset="0"/>
               </a:rPr>
               <a:t>insertTable</a:t>
             </a:r>
@@ -16822,6 +16900,8 @@
                 <a:solidFill>
                   <a:srgbClr val="2F2F2F"/>
                 </a:solidFill>
+                <a:latin typeface="Segoe UI Symbol" panose="020B0502040204020203" pitchFamily="34" charset="0"/>
+                <a:ea typeface="Segoe UI Symbol" panose="020B0502040204020203" pitchFamily="34" charset="0"/>
               </a:rPr>
               <a:t>)</a:t>
             </a:r>
@@ -16912,7 +16992,7 @@
             <p:ph type="tbl" sz="quarter" idx="10"/>
             <p:extLst>
               <p:ext uri="{D42A27DB-BD31-4B8C-83A1-F6EECF244321}">
-                <p14:modId xmlns:p14="http://schemas.microsoft.com/office/powerpoint/2010/main" val="1338783718"/>
+                <p14:modId xmlns:p14="http://schemas.microsoft.com/office/powerpoint/2010/main" val="1061107519"/>
               </p:ext>
             </p:extLst>
           </p:nvPr>
@@ -16928,14 +17008,14 @@
                 <a:tableStyleId>{5C22544A-7EE6-4342-B048-85BDC9FD1C3A}</a:tableStyleId>
               </a:tblPr>
               <a:tblGrid>
-                <a:gridCol w="2354262">
+                <a:gridCol w="3170160">
                   <a:extLst>
                     <a:ext uri="{9D8B030D-6E8A-4147-A177-3AD203B41FA5}">
                       <a16:colId xmlns:a16="http://schemas.microsoft.com/office/drawing/2014/main" val="2486055764"/>
                     </a:ext>
                   </a:extLst>
                 </a:gridCol>
-                <a:gridCol w="9178925">
+                <a:gridCol w="8363027">
                   <a:extLst>
                     <a:ext uri="{9D8B030D-6E8A-4147-A177-3AD203B41FA5}">
                       <a16:colId xmlns:a16="http://schemas.microsoft.com/office/drawing/2014/main" val="3131693182"/>
@@ -16983,7 +17063,10 @@
                     <a:lstStyle/>
                     <a:p>
                       <a:r>
-                        <a:rPr lang="en-US" sz="1800" dirty="0"/>
+                        <a:rPr lang="en-US" sz="1800" dirty="0">
+                          <a:latin typeface="Courier New" panose="02070309020205020404" pitchFamily="49" charset="0"/>
+                          <a:cs typeface="Courier New" panose="02070309020205020404" pitchFamily="49" charset="0"/>
+                        </a:rPr>
                         <a:t>appearance</a:t>
                       </a:r>
                     </a:p>
@@ -17024,10 +17107,16 @@
                     <a:lstStyle/>
                     <a:p>
                       <a:r>
-                        <a:rPr lang="en-US" sz="1800" dirty="0" err="1"/>
+                        <a:rPr lang="en-US" sz="1800" dirty="0" err="1">
+                          <a:latin typeface="Courier New" panose="02070309020205020404" pitchFamily="49" charset="0"/>
+                          <a:cs typeface="Courier New" panose="02070309020205020404" pitchFamily="49" charset="0"/>
+                        </a:rPr>
                         <a:t>cannotDelete</a:t>
                       </a:r>
-                      <a:endParaRPr lang="en-US" sz="1800" dirty="0"/>
+                      <a:endParaRPr lang="en-US" sz="1800" dirty="0">
+                        <a:latin typeface="Courier New" panose="02070309020205020404" pitchFamily="49" charset="0"/>
+                        <a:cs typeface="Courier New" panose="02070309020205020404" pitchFamily="49" charset="0"/>
+                      </a:endParaRPr>
                     </a:p>
                   </a:txBody>
                   <a:tcPr/>
@@ -17058,10 +17147,16 @@
                     <a:lstStyle/>
                     <a:p>
                       <a:r>
-                        <a:rPr lang="en-US" sz="1800" dirty="0" err="1"/>
+                        <a:rPr lang="en-US" sz="1800" dirty="0" err="1">
+                          <a:latin typeface="Courier New" panose="02070309020205020404" pitchFamily="49" charset="0"/>
+                          <a:cs typeface="Courier New" panose="02070309020205020404" pitchFamily="49" charset="0"/>
+                        </a:rPr>
                         <a:t>cannotEdit</a:t>
                       </a:r>
-                      <a:endParaRPr lang="en-US" sz="1800" dirty="0"/>
+                      <a:endParaRPr lang="en-US" sz="1800" dirty="0">
+                        <a:latin typeface="Courier New" panose="02070309020205020404" pitchFamily="49" charset="0"/>
+                        <a:cs typeface="Courier New" panose="02070309020205020404" pitchFamily="49" charset="0"/>
+                      </a:endParaRPr>
                     </a:p>
                   </a:txBody>
                   <a:tcPr/>
@@ -17092,7 +17187,10 @@
                     <a:lstStyle/>
                     <a:p>
                       <a:r>
-                        <a:rPr lang="en-US" sz="1800" dirty="0"/>
+                        <a:rPr lang="en-US" sz="1800" dirty="0">
+                          <a:latin typeface="Courier New" panose="02070309020205020404" pitchFamily="49" charset="0"/>
+                          <a:cs typeface="Courier New" panose="02070309020205020404" pitchFamily="49" charset="0"/>
+                        </a:rPr>
                         <a:t>color</a:t>
                       </a:r>
                     </a:p>
@@ -17125,10 +17223,16 @@
                     <a:lstStyle/>
                     <a:p>
                       <a:r>
-                        <a:rPr lang="en-US" sz="1800" dirty="0" err="1"/>
+                        <a:rPr lang="en-US" sz="1800" dirty="0" err="1">
+                          <a:latin typeface="Courier New" panose="02070309020205020404" pitchFamily="49" charset="0"/>
+                          <a:cs typeface="Courier New" panose="02070309020205020404" pitchFamily="49" charset="0"/>
+                        </a:rPr>
                         <a:t>placeholderText</a:t>
                       </a:r>
-                      <a:endParaRPr lang="en-US" sz="1800" dirty="0"/>
+                      <a:endParaRPr lang="en-US" sz="1800" dirty="0">
+                        <a:latin typeface="Courier New" panose="02070309020205020404" pitchFamily="49" charset="0"/>
+                        <a:cs typeface="Courier New" panose="02070309020205020404" pitchFamily="49" charset="0"/>
+                      </a:endParaRPr>
                     </a:p>
                   </a:txBody>
                   <a:tcPr/>
@@ -17159,10 +17263,16 @@
                     <a:lstStyle/>
                     <a:p>
                       <a:r>
-                        <a:rPr lang="en-US" sz="1800" dirty="0" err="1"/>
+                        <a:rPr lang="en-US" sz="1800" dirty="0" err="1">
+                          <a:latin typeface="Courier New" panose="02070309020205020404" pitchFamily="49" charset="0"/>
+                          <a:cs typeface="Courier New" panose="02070309020205020404" pitchFamily="49" charset="0"/>
+                        </a:rPr>
                         <a:t>removedWhenEdited</a:t>
                       </a:r>
-                      <a:endParaRPr lang="en-US" sz="1800" dirty="0"/>
+                      <a:endParaRPr lang="en-US" sz="1800" dirty="0">
+                        <a:latin typeface="Courier New" panose="02070309020205020404" pitchFamily="49" charset="0"/>
+                        <a:cs typeface="Courier New" panose="02070309020205020404" pitchFamily="49" charset="0"/>
+                      </a:endParaRPr>
                     </a:p>
                   </a:txBody>
                   <a:tcPr/>
@@ -17193,7 +17303,10 @@
                     <a:lstStyle/>
                     <a:p>
                       <a:r>
-                        <a:rPr lang="en-US" sz="1800" dirty="0"/>
+                        <a:rPr lang="en-US" sz="1800" dirty="0">
+                          <a:latin typeface="Courier New" panose="02070309020205020404" pitchFamily="49" charset="0"/>
+                          <a:cs typeface="Courier New" panose="02070309020205020404" pitchFamily="49" charset="0"/>
+                        </a:rPr>
                         <a:t>style</a:t>
                       </a:r>
                     </a:p>
@@ -17226,10 +17339,16 @@
                     <a:lstStyle/>
                     <a:p>
                       <a:r>
-                        <a:rPr lang="en-US" sz="1800" dirty="0" err="1"/>
+                        <a:rPr lang="en-US" sz="1800" dirty="0" err="1">
+                          <a:latin typeface="Courier New" panose="02070309020205020404" pitchFamily="49" charset="0"/>
+                          <a:cs typeface="Courier New" panose="02070309020205020404" pitchFamily="49" charset="0"/>
+                        </a:rPr>
                         <a:t>styleBuiltIn</a:t>
                       </a:r>
-                      <a:endParaRPr lang="en-US" sz="1800" dirty="0"/>
+                      <a:endParaRPr lang="en-US" sz="1800" dirty="0">
+                        <a:latin typeface="Courier New" panose="02070309020205020404" pitchFamily="49" charset="0"/>
+                        <a:cs typeface="Courier New" panose="02070309020205020404" pitchFamily="49" charset="0"/>
+                      </a:endParaRPr>
                     </a:p>
                   </a:txBody>
                   <a:tcPr/>
@@ -17260,7 +17379,10 @@
                     <a:lstStyle/>
                     <a:p>
                       <a:r>
-                        <a:rPr lang="en-US" sz="1800" dirty="0"/>
+                        <a:rPr lang="en-US" sz="1800" dirty="0">
+                          <a:latin typeface="Courier New" panose="02070309020205020404" pitchFamily="49" charset="0"/>
+                          <a:cs typeface="Courier New" panose="02070309020205020404" pitchFamily="49" charset="0"/>
+                        </a:rPr>
                         <a:t>subtype</a:t>
                       </a:r>
                     </a:p>
@@ -17333,7 +17455,10 @@
                     <a:lstStyle/>
                     <a:p>
                       <a:r>
-                        <a:rPr lang="en-US" sz="1800" dirty="0"/>
+                        <a:rPr lang="en-US" sz="1800" dirty="0">
+                          <a:latin typeface="Courier New" panose="02070309020205020404" pitchFamily="49" charset="0"/>
+                          <a:cs typeface="Courier New" panose="02070309020205020404" pitchFamily="49" charset="0"/>
+                        </a:rPr>
                         <a:t>tag</a:t>
                       </a:r>
                     </a:p>
@@ -17366,7 +17491,10 @@
                     <a:lstStyle/>
                     <a:p>
                       <a:r>
-                        <a:rPr lang="en-US" sz="1800" dirty="0"/>
+                        <a:rPr lang="en-US" sz="1800" dirty="0">
+                          <a:latin typeface="Courier New" panose="02070309020205020404" pitchFamily="49" charset="0"/>
+                          <a:cs typeface="Courier New" panose="02070309020205020404" pitchFamily="49" charset="0"/>
+                        </a:rPr>
                         <a:t>text</a:t>
                       </a:r>
                     </a:p>
@@ -17399,7 +17527,10 @@
                     <a:lstStyle/>
                     <a:p>
                       <a:r>
-                        <a:rPr lang="en-US" sz="1800" dirty="0"/>
+                        <a:rPr lang="en-US" sz="1800" dirty="0">
+                          <a:latin typeface="Courier New" panose="02070309020205020404" pitchFamily="49" charset="0"/>
+                          <a:cs typeface="Courier New" panose="02070309020205020404" pitchFamily="49" charset="0"/>
+                        </a:rPr>
                         <a:t>title</a:t>
                       </a:r>
                     </a:p>
@@ -17432,7 +17563,10 @@
                     <a:lstStyle/>
                     <a:p>
                       <a:r>
-                        <a:rPr lang="en-US" sz="1800" dirty="0"/>
+                        <a:rPr lang="en-US" sz="1800" dirty="0">
+                          <a:latin typeface="Courier New" panose="02070309020205020404" pitchFamily="49" charset="0"/>
+                          <a:cs typeface="Courier New" panose="02070309020205020404" pitchFamily="49" charset="0"/>
+                        </a:rPr>
                         <a:t>type</a:t>
                       </a:r>
                     </a:p>
